--- a/Team6_Identify_New_Bikes/Presentation/HACKATHON.pptx
+++ b/Team6_Identify_New_Bikes/Presentation/HACKATHON.pptx
@@ -28,16 +28,17 @@
     <p:sldId id="273" r:id="rId24"/>
     <p:sldId id="274" r:id="rId25"/>
     <p:sldId id="275" r:id="rId26"/>
+    <p:sldId id="276" r:id="rId27"/>
   </p:sldIdLst>
   <p:sldSz cy="5143500" cx="9144000"/>
   <p:notesSz cx="6858000" cy="9144000"/>
   <p:embeddedFontLst>
     <p:embeddedFont>
       <p:font typeface="Roboto"/>
-      <p:regular r:id="rId27"/>
-      <p:bold r:id="rId28"/>
-      <p:italic r:id="rId29"/>
-      <p:boldItalic r:id="rId30"/>
+      <p:regular r:id="rId28"/>
+      <p:bold r:id="rId29"/>
+      <p:italic r:id="rId30"/>
+      <p:boldItalic r:id="rId31"/>
     </p:embeddedFont>
   </p:embeddedFontLst>
   <p:defaultTextStyle>
@@ -1426,7 +1427,7 @@
       </p:grpSpPr>
       <p:sp>
         <p:nvSpPr>
-          <p:cNvPr id="180" name="Google Shape;180;gf58269e9be_0_12:notes"/>
+          <p:cNvPr id="180" name="Google Shape;180;gf1a724910e_1_0:notes"/>
           <p:cNvSpPr/>
           <p:nvPr>
             <p:ph idx="2" type="sldImg"/>
@@ -1461,7 +1462,7 @@
       </p:sp>
       <p:sp>
         <p:nvSpPr>
-          <p:cNvPr id="181" name="Google Shape;181;gf58269e9be_0_12:notes"/>
+          <p:cNvPr id="181" name="Google Shape;181;gf1a724910e_1_0:notes"/>
           <p:cNvSpPr txBox="1"/>
           <p:nvPr>
             <p:ph idx="1" type="body"/>
@@ -1511,7 +1512,7 @@
   <p:cSld>
     <p:spTree>
       <p:nvGrpSpPr>
-        <p:cNvPr id="185" name="Shape 185"/>
+        <p:cNvPr id="184" name="Shape 184"/>
         <p:cNvGrpSpPr/>
         <p:nvPr/>
       </p:nvGrpSpPr>
@@ -1525,7 +1526,7 @@
       </p:grpSpPr>
       <p:sp>
         <p:nvSpPr>
-          <p:cNvPr id="186" name="Google Shape;186;gf58269e9be_0_18:notes"/>
+          <p:cNvPr id="185" name="Google Shape;185;gf58269e9be_0_12:notes"/>
           <p:cNvSpPr/>
           <p:nvPr>
             <p:ph idx="2" type="sldImg"/>
@@ -1560,7 +1561,7 @@
       </p:sp>
       <p:sp>
         <p:nvSpPr>
-          <p:cNvPr id="187" name="Google Shape;187;gf58269e9be_0_18:notes"/>
+          <p:cNvPr id="186" name="Google Shape;186;gf58269e9be_0_12:notes"/>
           <p:cNvSpPr txBox="1"/>
           <p:nvPr>
             <p:ph idx="1" type="body"/>
@@ -1624,7 +1625,7 @@
       </p:grpSpPr>
       <p:sp>
         <p:nvSpPr>
-          <p:cNvPr id="191" name="Google Shape;191;gf58269e9be_0_24:notes"/>
+          <p:cNvPr id="191" name="Google Shape;191;gf58269e9be_0_18:notes"/>
           <p:cNvSpPr/>
           <p:nvPr>
             <p:ph idx="2" type="sldImg"/>
@@ -1659,7 +1660,7 @@
       </p:sp>
       <p:sp>
         <p:nvSpPr>
-          <p:cNvPr id="192" name="Google Shape;192;gf58269e9be_0_24:notes"/>
+          <p:cNvPr id="192" name="Google Shape;192;gf58269e9be_0_18:notes"/>
           <p:cNvSpPr txBox="1"/>
           <p:nvPr>
             <p:ph idx="1" type="body"/>
@@ -1723,7 +1724,7 @@
       </p:grpSpPr>
       <p:sp>
         <p:nvSpPr>
-          <p:cNvPr id="196" name="Google Shape;196;gf58269e9be_0_30:notes"/>
+          <p:cNvPr id="196" name="Google Shape;196;gf58269e9be_0_24:notes"/>
           <p:cNvSpPr/>
           <p:nvPr>
             <p:ph idx="2" type="sldImg"/>
@@ -1758,7 +1759,7 @@
       </p:sp>
       <p:sp>
         <p:nvSpPr>
-          <p:cNvPr id="197" name="Google Shape;197;gf58269e9be_0_30:notes"/>
+          <p:cNvPr id="197" name="Google Shape;197;gf58269e9be_0_24:notes"/>
           <p:cNvSpPr txBox="1"/>
           <p:nvPr>
             <p:ph idx="1" type="body"/>
@@ -1921,7 +1922,7 @@
       </p:grpSpPr>
       <p:sp>
         <p:nvSpPr>
-          <p:cNvPr id="201" name="Google Shape;201;gf57cbe25d7_0_10:notes"/>
+          <p:cNvPr id="201" name="Google Shape;201;gf58269e9be_0_30:notes"/>
           <p:cNvSpPr/>
           <p:nvPr>
             <p:ph idx="2" type="sldImg"/>
@@ -1956,7 +1957,106 @@
       </p:sp>
       <p:sp>
         <p:nvSpPr>
-          <p:cNvPr id="202" name="Google Shape;202;gf57cbe25d7_0_10:notes"/>
+          <p:cNvPr id="202" name="Google Shape;202;gf58269e9be_0_30:notes"/>
+          <p:cNvSpPr txBox="1"/>
+          <p:nvPr>
+            <p:ph idx="1" type="body"/>
+          </p:nvPr>
+        </p:nvSpPr>
+        <p:spPr>
+          <a:xfrm>
+            <a:off x="685800" y="4343400"/>
+            <a:ext cx="5486400" cy="4114800"/>
+          </a:xfrm>
+          <a:prstGeom prst="rect">
+            <a:avLst/>
+          </a:prstGeom>
+        </p:spPr>
+        <p:txBody>
+          <a:bodyPr anchorCtr="0" anchor="t" bIns="91425" lIns="91425" spcFirstLastPara="1" rIns="91425" wrap="square" tIns="91425">
+            <a:noAutofit/>
+          </a:bodyPr>
+          <a:lstStyle/>
+          <a:p>
+            <a:pPr indent="0" lvl="0" marL="0" rtl="0" algn="l">
+              <a:spcBef>
+                <a:spcPts val="0"/>
+              </a:spcBef>
+              <a:spcAft>
+                <a:spcPts val="0"/>
+              </a:spcAft>
+              <a:buNone/>
+            </a:pPr>
+            <a:r>
+              <a:t/>
+            </a:r>
+            <a:endParaRPr/>
+          </a:p>
+        </p:txBody>
+      </p:sp>
+    </p:spTree>
+  </p:cSld>
+  <p:clrMapOvr>
+    <a:masterClrMapping/>
+  </p:clrMapOvr>
+</p:notes>
+</file>
+
+<file path=ppt/notesSlides/notesSlide21.xml><?xml version="1.0" encoding="utf-8"?>
+<p:notes xmlns:a="http://schemas.openxmlformats.org/drawingml/2006/main" xmlns:r="http://schemas.openxmlformats.org/officeDocument/2006/relationships" xmlns:mc="http://schemas.openxmlformats.org/markup-compatibility/2006" xmlns:mv="urn:schemas-microsoft-com:mac:vml" xmlns:p="http://schemas.openxmlformats.org/presentationml/2006/main" xmlns:c="http://schemas.openxmlformats.org/drawingml/2006/chart" xmlns:dgm="http://schemas.openxmlformats.org/drawingml/2006/diagram" xmlns:o="urn:schemas-microsoft-com:office:office" xmlns:v="urn:schemas-microsoft-com:vml" xmlns:pvml="urn:schemas-microsoft-com:office:powerpoint" xmlns:com="http://schemas.openxmlformats.org/drawingml/2006/compatibility" xmlns:p14="http://schemas.microsoft.com/office/powerpoint/2010/main" xmlns:p15="http://schemas.microsoft.com/office/powerpoint/2012/main" xmlns:ahyp="http://schemas.microsoft.com/office/drawing/2018/hyperlinkcolor" showMasterPhAnim="0" showMasterSp="0">
+  <p:cSld>
+    <p:spTree>
+      <p:nvGrpSpPr>
+        <p:cNvPr id="205" name="Shape 205"/>
+        <p:cNvGrpSpPr/>
+        <p:nvPr/>
+      </p:nvGrpSpPr>
+      <p:grpSpPr>
+        <a:xfrm>
+          <a:off x="0" y="0"/>
+          <a:ext cx="0" cy="0"/>
+          <a:chOff x="0" y="0"/>
+          <a:chExt cx="0" cy="0"/>
+        </a:xfrm>
+      </p:grpSpPr>
+      <p:sp>
+        <p:nvSpPr>
+          <p:cNvPr id="206" name="Google Shape;206;gf57cbe25d7_0_10:notes"/>
+          <p:cNvSpPr/>
+          <p:nvPr>
+            <p:ph idx="2" type="sldImg"/>
+          </p:nvPr>
+        </p:nvSpPr>
+        <p:spPr>
+          <a:xfrm>
+            <a:off x="381300" y="685800"/>
+            <a:ext cx="6096000" cy="3429000"/>
+          </a:xfrm>
+          <a:custGeom>
+            <a:rect b="b" l="l" r="r" t="t"/>
+            <a:pathLst>
+              <a:path extrusionOk="0" h="120000" w="120000">
+                <a:moveTo>
+                  <a:pt x="0" y="0"/>
+                </a:moveTo>
+                <a:lnTo>
+                  <a:pt x="120000" y="0"/>
+                </a:lnTo>
+                <a:lnTo>
+                  <a:pt x="120000" y="120000"/>
+                </a:lnTo>
+                <a:lnTo>
+                  <a:pt x="0" y="120000"/>
+                </a:lnTo>
+                <a:close/>
+              </a:path>
+            </a:pathLst>
+          </a:custGeom>
+        </p:spPr>
+      </p:sp>
+      <p:sp>
+        <p:nvSpPr>
+          <p:cNvPr id="207" name="Google Shape;207;gf57cbe25d7_0_10:notes"/>
           <p:cNvSpPr txBox="1"/>
           <p:nvPr>
             <p:ph idx="1" type="body"/>
@@ -10400,8 +10500,8 @@
         </p:blipFill>
         <p:spPr>
           <a:xfrm>
-            <a:off x="381900" y="693800"/>
-            <a:ext cx="3614851" cy="4017700"/>
+            <a:off x="498600" y="751750"/>
+            <a:ext cx="3843700" cy="3959751"/>
           </a:xfrm>
           <a:prstGeom prst="rect">
             <a:avLst/>
@@ -10428,8 +10528,8 @@
         </p:blipFill>
         <p:spPr>
           <a:xfrm>
-            <a:off x="4642475" y="693800"/>
-            <a:ext cx="4065024" cy="4017701"/>
+            <a:off x="4668725" y="617275"/>
+            <a:ext cx="3986200" cy="4136126"/>
           </a:xfrm>
           <a:prstGeom prst="rect">
             <a:avLst/>
@@ -10465,59 +10565,9 @@
           <a:chExt cx="0" cy="0"/>
         </a:xfrm>
       </p:grpSpPr>
-      <p:sp>
-        <p:nvSpPr>
-          <p:cNvPr id="183" name="Google Shape;183;p28"/>
-          <p:cNvSpPr txBox="1"/>
-          <p:nvPr>
-            <p:ph type="title"/>
-          </p:nvPr>
-        </p:nvSpPr>
-        <p:spPr>
-          <a:xfrm>
-            <a:off x="298200" y="86000"/>
-            <a:ext cx="3063300" cy="607800"/>
-          </a:xfrm>
-          <a:prstGeom prst="rect">
-            <a:avLst/>
-          </a:prstGeom>
-        </p:spPr>
-        <p:txBody>
-          <a:bodyPr anchorCtr="0" anchor="t" bIns="91425" lIns="91425" spcFirstLastPara="1" rIns="91425" wrap="square" tIns="91425">
-            <a:normAutofit fontScale="90000"/>
-          </a:bodyPr>
-          <a:lstStyle/>
-          <a:p>
-            <a:pPr indent="0" lvl="0" marL="0" rtl="0" algn="l">
-              <a:spcBef>
-                <a:spcPts val="0"/>
-              </a:spcBef>
-              <a:spcAft>
-                <a:spcPts val="0"/>
-              </a:spcAft>
-              <a:buNone/>
-            </a:pPr>
-            <a:r>
-              <a:rPr b="1" lang="en">
-                <a:latin typeface="Calibri"/>
-                <a:ea typeface="Calibri"/>
-                <a:cs typeface="Calibri"/>
-                <a:sym typeface="Calibri"/>
-              </a:rPr>
-              <a:t>JENKINS RESULTS</a:t>
-            </a:r>
-            <a:endParaRPr b="1">
-              <a:latin typeface="Calibri"/>
-              <a:ea typeface="Calibri"/>
-              <a:cs typeface="Calibri"/>
-              <a:sym typeface="Calibri"/>
-            </a:endParaRPr>
-          </a:p>
-        </p:txBody>
-      </p:sp>
       <p:pic>
         <p:nvPicPr>
-          <p:cNvPr id="184" name="Google Shape;184;p28"/>
+          <p:cNvPr id="183" name="Google Shape;183;p28"/>
           <p:cNvPicPr preferRelativeResize="0"/>
           <p:nvPr/>
         </p:nvPicPr>
@@ -10531,8 +10581,8 @@
         </p:blipFill>
         <p:spPr>
           <a:xfrm>
-            <a:off x="373500" y="693800"/>
-            <a:ext cx="8397000" cy="3855699"/>
+            <a:off x="152400" y="152400"/>
+            <a:ext cx="8584652" cy="4481099"/>
           </a:xfrm>
           <a:prstGeom prst="rect">
             <a:avLst/>
@@ -10556,7 +10606,7 @@
   <p:cSld>
     <p:spTree>
       <p:nvGrpSpPr>
-        <p:cNvPr id="188" name="Shape 188"/>
+        <p:cNvPr id="187" name="Shape 187"/>
         <p:cNvGrpSpPr/>
         <p:nvPr/>
       </p:nvGrpSpPr>
@@ -10568,6 +10618,56 @@
           <a:chExt cx="0" cy="0"/>
         </a:xfrm>
       </p:grpSpPr>
+      <p:sp>
+        <p:nvSpPr>
+          <p:cNvPr id="188" name="Google Shape;188;p29"/>
+          <p:cNvSpPr txBox="1"/>
+          <p:nvPr>
+            <p:ph type="title"/>
+          </p:nvPr>
+        </p:nvSpPr>
+        <p:spPr>
+          <a:xfrm>
+            <a:off x="298200" y="86000"/>
+            <a:ext cx="3063300" cy="607800"/>
+          </a:xfrm>
+          <a:prstGeom prst="rect">
+            <a:avLst/>
+          </a:prstGeom>
+        </p:spPr>
+        <p:txBody>
+          <a:bodyPr anchorCtr="0" anchor="t" bIns="91425" lIns="91425" spcFirstLastPara="1" rIns="91425" wrap="square" tIns="91425">
+            <a:normAutofit fontScale="90000"/>
+          </a:bodyPr>
+          <a:lstStyle/>
+          <a:p>
+            <a:pPr indent="0" lvl="0" marL="0" rtl="0" algn="l">
+              <a:spcBef>
+                <a:spcPts val="0"/>
+              </a:spcBef>
+              <a:spcAft>
+                <a:spcPts val="0"/>
+              </a:spcAft>
+              <a:buNone/>
+            </a:pPr>
+            <a:r>
+              <a:rPr b="1" lang="en">
+                <a:latin typeface="Calibri"/>
+                <a:ea typeface="Calibri"/>
+                <a:cs typeface="Calibri"/>
+                <a:sym typeface="Calibri"/>
+              </a:rPr>
+              <a:t>JENKINS RESULTS</a:t>
+            </a:r>
+            <a:endParaRPr b="1">
+              <a:latin typeface="Calibri"/>
+              <a:ea typeface="Calibri"/>
+              <a:cs typeface="Calibri"/>
+              <a:sym typeface="Calibri"/>
+            </a:endParaRPr>
+          </a:p>
+        </p:txBody>
+      </p:sp>
       <p:pic>
         <p:nvPicPr>
           <p:cNvPr id="189" name="Google Shape;189;p29"/>
@@ -10584,8 +10684,8 @@
         </p:blipFill>
         <p:spPr>
           <a:xfrm>
-            <a:off x="405000" y="486000"/>
-            <a:ext cx="8329502" cy="4063500"/>
+            <a:off x="373500" y="693800"/>
+            <a:ext cx="8397000" cy="3855699"/>
           </a:xfrm>
           <a:prstGeom prst="rect">
             <a:avLst/>
@@ -10637,8 +10737,8 @@
         </p:blipFill>
         <p:spPr>
           <a:xfrm>
-            <a:off x="391500" y="320250"/>
-            <a:ext cx="8410501" cy="4121250"/>
+            <a:off x="152400" y="152400"/>
+            <a:ext cx="8602133" cy="4838700"/>
           </a:xfrm>
           <a:prstGeom prst="rect">
             <a:avLst/>
@@ -10690,8 +10790,8 @@
         </p:blipFill>
         <p:spPr>
           <a:xfrm>
-            <a:off x="405000" y="378000"/>
-            <a:ext cx="8356499" cy="4077001"/>
+            <a:off x="152400" y="152400"/>
+            <a:ext cx="8602133" cy="4838700"/>
           </a:xfrm>
           <a:prstGeom prst="rect">
             <a:avLst/>
@@ -11048,9 +11148,62 @@
           <a:chExt cx="0" cy="0"/>
         </a:xfrm>
       </p:grpSpPr>
+      <p:pic>
+        <p:nvPicPr>
+          <p:cNvPr id="204" name="Google Shape;204;p32"/>
+          <p:cNvPicPr preferRelativeResize="0"/>
+          <p:nvPr/>
+        </p:nvPicPr>
+        <p:blipFill>
+          <a:blip r:embed="rId3">
+            <a:alphaModFix/>
+          </a:blip>
+          <a:stretch>
+            <a:fillRect/>
+          </a:stretch>
+        </p:blipFill>
+        <p:spPr>
+          <a:xfrm>
+            <a:off x="152400" y="152400"/>
+            <a:ext cx="8602133" cy="4838700"/>
+          </a:xfrm>
+          <a:prstGeom prst="rect">
+            <a:avLst/>
+          </a:prstGeom>
+          <a:noFill/>
+          <a:ln>
+            <a:noFill/>
+          </a:ln>
+        </p:spPr>
+      </p:pic>
+    </p:spTree>
+  </p:cSld>
+  <p:clrMapOvr>
+    <a:masterClrMapping/>
+  </p:clrMapOvr>
+</p:sld>
+</file>
+
+<file path=ppt/slides/slide21.xml><?xml version="1.0" encoding="utf-8"?>
+<p:sld xmlns:a="http://schemas.openxmlformats.org/drawingml/2006/main" xmlns:r="http://schemas.openxmlformats.org/officeDocument/2006/relationships" xmlns:mc="http://schemas.openxmlformats.org/markup-compatibility/2006" xmlns:mv="urn:schemas-microsoft-com:mac:vml" xmlns:p="http://schemas.openxmlformats.org/presentationml/2006/main" xmlns:c="http://schemas.openxmlformats.org/drawingml/2006/chart" xmlns:dgm="http://schemas.openxmlformats.org/drawingml/2006/diagram" xmlns:o="urn:schemas-microsoft-com:office:office" xmlns:v="urn:schemas-microsoft-com:vml" xmlns:pvml="urn:schemas-microsoft-com:office:powerpoint" xmlns:com="http://schemas.openxmlformats.org/drawingml/2006/compatibility" xmlns:p14="http://schemas.microsoft.com/office/powerpoint/2010/main" xmlns:p15="http://schemas.microsoft.com/office/powerpoint/2012/main" xmlns:ahyp="http://schemas.microsoft.com/office/drawing/2018/hyperlinkcolor">
+  <p:cSld>
+    <p:spTree>
+      <p:nvGrpSpPr>
+        <p:cNvPr id="208" name="Shape 208"/>
+        <p:cNvGrpSpPr/>
+        <p:nvPr/>
+      </p:nvGrpSpPr>
+      <p:grpSpPr>
+        <a:xfrm>
+          <a:off x="0" y="0"/>
+          <a:ext cx="0" cy="0"/>
+          <a:chOff x="0" y="0"/>
+          <a:chExt cx="0" cy="0"/>
+        </a:xfrm>
+      </p:grpSpPr>
       <p:sp>
         <p:nvSpPr>
-          <p:cNvPr id="204" name="Google Shape;204;p32"/>
+          <p:cNvPr id="209" name="Google Shape;209;p33"/>
           <p:cNvSpPr txBox="1"/>
           <p:nvPr>
             <p:ph type="title"/>
@@ -11201,7 +11354,7 @@
         </p:spPr>
         <p:txBody>
           <a:bodyPr anchorCtr="0" anchor="t" bIns="91425" lIns="91425" spcFirstLastPara="1" rIns="91425" wrap="square" tIns="91425">
-            <a:normAutofit lnSpcReduction="20000"/>
+            <a:normAutofit fontScale="92500" lnSpcReduction="20000"/>
           </a:bodyPr>
           <a:lstStyle/>
           <a:p>
@@ -11249,7 +11402,7 @@
             </a:endParaRPr>
           </a:p>
           <a:p>
-            <a:pPr indent="-323850" lvl="0" marL="457200" rtl="0" algn="just">
+            <a:pPr indent="-316706" lvl="0" marL="457200" rtl="0" algn="just">
               <a:lnSpc>
                 <a:spcPct val="150000"/>
               </a:lnSpc>
@@ -11262,7 +11415,7 @@
               <a:buClr>
                 <a:srgbClr val="000000"/>
               </a:buClr>
-              <a:buSzPts val="1500"/>
+              <a:buSzPct val="100000"/>
               <a:buFont typeface="Calibri"/>
               <a:buChar char="●"/>
             </a:pPr>
@@ -11289,7 +11442,7 @@
             </a:endParaRPr>
           </a:p>
           <a:p>
-            <a:pPr indent="-323850" lvl="0" marL="457200" rtl="0" algn="just">
+            <a:pPr indent="-316706" lvl="0" marL="457200" rtl="0" algn="just">
               <a:lnSpc>
                 <a:spcPct val="150000"/>
               </a:lnSpc>
@@ -11302,7 +11455,7 @@
               <a:buClr>
                 <a:srgbClr val="000000"/>
               </a:buClr>
-              <a:buSzPts val="1500"/>
+              <a:buSzPct val="100000"/>
               <a:buFont typeface="Calibri"/>
               <a:buChar char="●"/>
             </a:pPr>
@@ -11329,7 +11482,7 @@
             </a:endParaRPr>
           </a:p>
           <a:p>
-            <a:pPr indent="-323850" lvl="0" marL="457200" rtl="0" algn="just">
+            <a:pPr indent="-316706" lvl="0" marL="457200" rtl="0" algn="just">
               <a:lnSpc>
                 <a:spcPct val="150000"/>
               </a:lnSpc>
@@ -11342,7 +11495,7 @@
               <a:buClr>
                 <a:srgbClr val="000000"/>
               </a:buClr>
-              <a:buSzPts val="1500"/>
+              <a:buSzPct val="100000"/>
               <a:buFont typeface="Calibri"/>
               <a:buChar char="●"/>
             </a:pPr>
@@ -11369,7 +11522,7 @@
             </a:endParaRPr>
           </a:p>
           <a:p>
-            <a:pPr indent="-323850" lvl="0" marL="457200" rtl="0" algn="just">
+            <a:pPr indent="-316706" lvl="0" marL="457200" rtl="0" algn="just">
               <a:lnSpc>
                 <a:spcPct val="150000"/>
               </a:lnSpc>
@@ -11382,7 +11535,7 @@
               <a:buClr>
                 <a:srgbClr val="000000"/>
               </a:buClr>
-              <a:buSzPts val="1500"/>
+              <a:buSzPct val="100000"/>
               <a:buFont typeface="Calibri"/>
               <a:buChar char="●"/>
             </a:pPr>
@@ -11409,7 +11562,7 @@
             </a:endParaRPr>
           </a:p>
           <a:p>
-            <a:pPr indent="-323850" lvl="0" marL="457200" rtl="0" algn="just">
+            <a:pPr indent="-316706" lvl="0" marL="457200" rtl="0" algn="just">
               <a:lnSpc>
                 <a:spcPct val="150000"/>
               </a:lnSpc>
@@ -11422,7 +11575,7 @@
               <a:buClr>
                 <a:srgbClr val="000000"/>
               </a:buClr>
-              <a:buSzPts val="1500"/>
+              <a:buSzPct val="100000"/>
               <a:buFont typeface="Calibri"/>
               <a:buChar char="●"/>
             </a:pPr>
@@ -11449,7 +11602,7 @@
             </a:endParaRPr>
           </a:p>
           <a:p>
-            <a:pPr indent="-323850" lvl="0" marL="457200" rtl="0" algn="just">
+            <a:pPr indent="-316706" lvl="0" marL="457200" rtl="0" algn="just">
               <a:lnSpc>
                 <a:spcPct val="150000"/>
               </a:lnSpc>
@@ -11462,7 +11615,7 @@
               <a:buClr>
                 <a:srgbClr val="000000"/>
               </a:buClr>
-              <a:buSzPts val="1500"/>
+              <a:buSzPct val="100000"/>
               <a:buFont typeface="Calibri"/>
               <a:buChar char="●"/>
             </a:pPr>
@@ -11489,7 +11642,7 @@
             </a:endParaRPr>
           </a:p>
           <a:p>
-            <a:pPr indent="-323850" lvl="0" marL="457200" rtl="0" algn="just">
+            <a:pPr indent="-316706" lvl="0" marL="457200" rtl="0" algn="just">
               <a:lnSpc>
                 <a:spcPct val="150000"/>
               </a:lnSpc>
@@ -11502,7 +11655,7 @@
               <a:buClr>
                 <a:srgbClr val="000000"/>
               </a:buClr>
-              <a:buSzPts val="1500"/>
+              <a:buSzPct val="100000"/>
               <a:buFont typeface="Calibri"/>
               <a:buChar char="●"/>
             </a:pPr>
@@ -11516,7 +11669,7 @@
                 <a:cs typeface="Calibri"/>
                 <a:sym typeface="Calibri"/>
               </a:rPr>
-              <a:t>Jenkins-to execute the test scripts periodically on Selenium Grid</a:t>
+              <a:t>Jenkins - to execute the test scripts periodically on Selenium Grid</a:t>
             </a:r>
             <a:endParaRPr sz="1500">
               <a:solidFill>
@@ -11529,7 +11682,7 @@
             </a:endParaRPr>
           </a:p>
           <a:p>
-            <a:pPr indent="-323850" lvl="0" marL="457200" rtl="0" algn="just">
+            <a:pPr indent="-316706" lvl="0" marL="457200" rtl="0" algn="just">
               <a:lnSpc>
                 <a:spcPct val="150000"/>
               </a:lnSpc>
@@ -11542,7 +11695,7 @@
               <a:buClr>
                 <a:srgbClr val="000000"/>
               </a:buClr>
-              <a:buSzPts val="1500"/>
+              <a:buSzPct val="100000"/>
               <a:buFont typeface="Calibri"/>
               <a:buChar char="●"/>
             </a:pPr>
@@ -11569,6 +11722,46 @@
                 <a:sym typeface="Calibri"/>
               </a:rPr>
               <a:t>t</a:t>
+            </a:r>
+            <a:endParaRPr sz="1500">
+              <a:solidFill>
+                <a:srgbClr val="0D0D0D"/>
+              </a:solidFill>
+              <a:latin typeface="Calibri"/>
+              <a:ea typeface="Calibri"/>
+              <a:cs typeface="Calibri"/>
+              <a:sym typeface="Calibri"/>
+            </a:endParaRPr>
+          </a:p>
+          <a:p>
+            <a:pPr indent="-316706" lvl="0" marL="457200" rtl="0" algn="just">
+              <a:lnSpc>
+                <a:spcPct val="150000"/>
+              </a:lnSpc>
+              <a:spcBef>
+                <a:spcPts val="0"/>
+              </a:spcBef>
+              <a:spcAft>
+                <a:spcPts val="0"/>
+              </a:spcAft>
+              <a:buClr>
+                <a:srgbClr val="0D0D0D"/>
+              </a:buClr>
+              <a:buSzPct val="100000"/>
+              <a:buFont typeface="Calibri"/>
+              <a:buChar char="●"/>
+            </a:pPr>
+            <a:r>
+              <a:rPr lang="en" sz="1500">
+                <a:solidFill>
+                  <a:srgbClr val="0D0D0D"/>
+                </a:solidFill>
+                <a:latin typeface="Calibri"/>
+                <a:ea typeface="Calibri"/>
+                <a:cs typeface="Calibri"/>
+                <a:sym typeface="Calibri"/>
+              </a:rPr>
+              <a:t>GitHub - Source Code Management</a:t>
             </a:r>
             <a:endParaRPr sz="1500">
               <a:solidFill>
@@ -11822,7 +12015,7 @@
             <a:tbl>
               <a:tblPr>
                 <a:noFill/>
-                <a:tableStyleId>{8795BDD0-8DF4-4BD4-B9B9-7B099884229C}</a:tableStyleId>
+                <a:tableStyleId>{4267E761-B396-4536-8AF0-6E7D0D906E35}</a:tableStyleId>
               </a:tblPr>
               <a:tblGrid>
                 <a:gridCol w="1394375"/>
@@ -14165,7 +14358,7 @@
             <a:tbl>
               <a:tblPr>
                 <a:noFill/>
-                <a:tableStyleId>{8795BDD0-8DF4-4BD4-B9B9-7B099884229C}</a:tableStyleId>
+                <a:tableStyleId>{4267E761-B396-4536-8AF0-6E7D0D906E35}</a:tableStyleId>
               </a:tblPr>
               <a:tblGrid>
                 <a:gridCol w="1274200"/>
@@ -14404,7 +14597,7 @@
                           <a:cs typeface="Calibri"/>
                           <a:sym typeface="Calibri"/>
                         </a:rPr>
-                        <a:t>.(Smoke)</a:t>
+                        <a:t>(Smoke).</a:t>
                       </a:r>
                       <a:endParaRPr>
                         <a:latin typeface="Calibri"/>
@@ -14510,7 +14703,7 @@
                           <a:cs typeface="Calibri"/>
                           <a:sym typeface="Calibri"/>
                         </a:rPr>
-                        <a:t>Check the functionality of 'New Bikes' and 'Upcoming Bikes'. (Smoke)</a:t>
+                        <a:t>Check the functionality of 'New Bikes' and 'Upcoming Bikes'(Smoke).</a:t>
                       </a:r>
                       <a:endParaRPr>
                         <a:latin typeface="Calibri"/>
@@ -14541,7 +14734,7 @@
                           <a:cs typeface="Calibri"/>
                           <a:sym typeface="Calibri"/>
                         </a:rPr>
-                        <a:t>Check the placeholder value of -‘ Select Manufacturer-' and click on 'Honda'. (Regression)</a:t>
+                        <a:t>Check the placeholder value of -‘ Select Manufacturer-' and click on 'Honda' (Regression).</a:t>
                       </a:r>
                       <a:endParaRPr>
                         <a:latin typeface="Calibri"/>
@@ -14641,7 +14834,7 @@
             <a:tbl>
               <a:tblPr>
                 <a:noFill/>
-                <a:tableStyleId>{8795BDD0-8DF4-4BD4-B9B9-7B099884229C}</a:tableStyleId>
+                <a:tableStyleId>{4267E761-B396-4536-8AF0-6E7D0D906E35}</a:tableStyleId>
               </a:tblPr>
               <a:tblGrid>
                 <a:gridCol w="1420750"/>
@@ -14741,7 +14934,7 @@
                           <a:cs typeface="Calibri"/>
                           <a:sym typeface="Calibri"/>
                         </a:rPr>
-                        <a:t>Check the functionality of 'Used Cars' and 'Chennai'. (Smoke)</a:t>
+                        <a:t>Check the functionality of 'Used Cars' and 'Chennai'(Regression and Smoke ).</a:t>
                       </a:r>
                       <a:endParaRPr>
                         <a:latin typeface="Calibri"/>
@@ -14922,7 +15115,7 @@
                           <a:cs typeface="Calibri"/>
                           <a:sym typeface="Calibri"/>
                         </a:rPr>
-                        <a:t>Check the functionality of 'Login/SignUp' button. (Smoke)</a:t>
+                        <a:t>Check the functionality of 'Login/SignUp' button(Smoke).</a:t>
                       </a:r>
                       <a:endParaRPr>
                         <a:latin typeface="Calibri"/>
@@ -14953,7 +15146,7 @@
                           <a:cs typeface="Calibri"/>
                           <a:sym typeface="Calibri"/>
                         </a:rPr>
-                        <a:t>Check the functionality of 'Continue with Google' option.(Smoke)</a:t>
+                        <a:t>Check the functionality of 'Continue with Google' option(Smoke).</a:t>
                       </a:r>
                       <a:endParaRPr>
                         <a:latin typeface="Calibri"/>
@@ -14984,7 +15177,7 @@
                           <a:cs typeface="Calibri"/>
                           <a:sym typeface="Calibri"/>
                         </a:rPr>
-                        <a:t>Check the functionality of 'Email-id' input field. (Regression and Smoke)</a:t>
+                        <a:t>Check the functionality of 'Email-id' input field(Regression and Smoke).</a:t>
                       </a:r>
                       <a:endParaRPr>
                         <a:latin typeface="Calibri"/>
@@ -15015,38 +15208,7 @@
                           <a:cs typeface="Calibri"/>
                           <a:sym typeface="Calibri"/>
                         </a:rPr>
-                        <a:t>Check the functionality of 'Password' input field. (Regression and Smoke)</a:t>
-                      </a:r>
-                      <a:endParaRPr>
-                        <a:latin typeface="Calibri"/>
-                        <a:ea typeface="Calibri"/>
-                        <a:cs typeface="Calibri"/>
-                        <a:sym typeface="Calibri"/>
-                      </a:endParaRPr>
-                    </a:p>
-                    <a:p>
-                      <a:pPr indent="-317500" lvl="0" marL="457200" rtl="0" algn="l">
-                        <a:lnSpc>
-                          <a:spcPct val="100000"/>
-                        </a:lnSpc>
-                        <a:spcBef>
-                          <a:spcPts val="0"/>
-                        </a:spcBef>
-                        <a:spcAft>
-                          <a:spcPts val="0"/>
-                        </a:spcAft>
-                        <a:buSzPts val="1400"/>
-                        <a:buFont typeface="Calibri"/>
-                        <a:buAutoNum type="arabicPeriod" startAt="5"/>
-                      </a:pPr>
-                      <a:r>
-                        <a:rPr lang="en">
-                          <a:latin typeface="Calibri"/>
-                          <a:ea typeface="Calibri"/>
-                          <a:cs typeface="Calibri"/>
-                          <a:sym typeface="Calibri"/>
-                        </a:rPr>
-                        <a:t>Check the functionality of 'Sign-in' input field. (Smoke)</a:t>
+                        <a:t>Check the functionality of 'Sign-in' input field (Smoke).</a:t>
                       </a:r>
                       <a:endParaRPr>
                         <a:latin typeface="Calibri"/>
@@ -15460,6 +15622,285 @@
 </file>
 
 <file path=ppt/theme/theme1.xml><?xml version="1.0" encoding="utf-8"?>
+<a:theme xmlns:a="http://schemas.openxmlformats.org/drawingml/2006/main" xmlns:r="http://schemas.openxmlformats.org/officeDocument/2006/relationships" name="Geometric">
+  <a:themeElements>
+    <a:clrScheme name="Geometric">
+      <a:dk1>
+        <a:srgbClr val="2A3990"/>
+      </a:dk1>
+      <a:lt1>
+        <a:srgbClr val="FFFFFF"/>
+      </a:lt1>
+      <a:dk2>
+        <a:srgbClr val="434343"/>
+      </a:dk2>
+      <a:lt2>
+        <a:srgbClr val="999999"/>
+      </a:lt2>
+      <a:accent1>
+        <a:srgbClr val="212D74"/>
+      </a:accent1>
+      <a:accent2>
+        <a:srgbClr val="3949AB"/>
+      </a:accent2>
+      <a:accent3>
+        <a:srgbClr val="9C254D"/>
+      </a:accent3>
+      <a:accent4>
+        <a:srgbClr val="D23369"/>
+      </a:accent4>
+      <a:accent5>
+        <a:srgbClr val="F06292"/>
+      </a:accent5>
+      <a:accent6>
+        <a:srgbClr val="7890CD"/>
+      </a:accent6>
+      <a:hlink>
+        <a:srgbClr val="F06292"/>
+      </a:hlink>
+      <a:folHlink>
+        <a:srgbClr val="F06292"/>
+      </a:folHlink>
+    </a:clrScheme>
+    <a:fontScheme name="Office">
+      <a:majorFont>
+        <a:latin typeface="Arial"/>
+        <a:ea typeface=""/>
+        <a:cs typeface=""/>
+        <a:font script="Jpan" typeface="ＭＳ Ｐゴシック"/>
+        <a:font script="Hang" typeface="맑은 고딕"/>
+        <a:font script="Hans" typeface="宋体"/>
+        <a:font script="Hant" typeface="新細明體"/>
+        <a:font script="Arab" typeface="Times New Roman"/>
+        <a:font script="Hebr" typeface="Times New Roman"/>
+        <a:font script="Thai" typeface="Angsana New"/>
+        <a:font script="Ethi" typeface="Nyala"/>
+        <a:font script="Beng" typeface="Vrinda"/>
+        <a:font script="Gujr" typeface="Shruti"/>
+        <a:font script="Khmr" typeface="MoolBoran"/>
+        <a:font script="Knda" typeface="Tunga"/>
+        <a:font script="Guru" typeface="Raavi"/>
+        <a:font script="Cans" typeface="Euphemia"/>
+        <a:font script="Cher" typeface="Plantagenet Cherokee"/>
+        <a:font script="Yiii" typeface="Microsoft Yi Baiti"/>
+        <a:font script="Tibt" typeface="Microsoft Himalaya"/>
+        <a:font script="Thaa" typeface="MV Boli"/>
+        <a:font script="Deva" typeface="Mangal"/>
+        <a:font script="Telu" typeface="Gautami"/>
+        <a:font script="Taml" typeface="Latha"/>
+        <a:font script="Syrc" typeface="Estrangelo Edessa"/>
+        <a:font script="Orya" typeface="Kalinga"/>
+        <a:font script="Mlym" typeface="Kartika"/>
+        <a:font script="Laoo" typeface="DokChampa"/>
+        <a:font script="Sinh" typeface="Iskoola Pota"/>
+        <a:font script="Mong" typeface="Mongolian Baiti"/>
+        <a:font script="Viet" typeface="Times New Roman"/>
+        <a:font script="Uigh" typeface="Microsoft Uighur"/>
+        <a:font script="Geor" typeface="Sylfaen"/>
+      </a:majorFont>
+      <a:minorFont>
+        <a:latin typeface="Arial"/>
+        <a:ea typeface=""/>
+        <a:cs typeface=""/>
+        <a:font script="Jpan" typeface="ＭＳ Ｐゴシック"/>
+        <a:font script="Hang" typeface="맑은 고딕"/>
+        <a:font script="Hans" typeface="宋体"/>
+        <a:font script="Hant" typeface="新細明體"/>
+        <a:font script="Arab" typeface="Arial"/>
+        <a:font script="Hebr" typeface="Arial"/>
+        <a:font script="Thai" typeface="Cordia New"/>
+        <a:font script="Ethi" typeface="Nyala"/>
+        <a:font script="Beng" typeface="Vrinda"/>
+        <a:font script="Gujr" typeface="Shruti"/>
+        <a:font script="Khmr" typeface="DaunPenh"/>
+        <a:font script="Knda" typeface="Tunga"/>
+        <a:font script="Guru" typeface="Raavi"/>
+        <a:font script="Cans" typeface="Euphemia"/>
+        <a:font script="Cher" typeface="Plantagenet Cherokee"/>
+        <a:font script="Yiii" typeface="Microsoft Yi Baiti"/>
+        <a:font script="Tibt" typeface="Microsoft Himalaya"/>
+        <a:font script="Thaa" typeface="MV Boli"/>
+        <a:font script="Deva" typeface="Mangal"/>
+        <a:font script="Telu" typeface="Gautami"/>
+        <a:font script="Taml" typeface="Latha"/>
+        <a:font script="Syrc" typeface="Estrangelo Edessa"/>
+        <a:font script="Orya" typeface="Kalinga"/>
+        <a:font script="Mlym" typeface="Kartika"/>
+        <a:font script="Laoo" typeface="DokChampa"/>
+        <a:font script="Sinh" typeface="Iskoola Pota"/>
+        <a:font script="Mong" typeface="Mongolian Baiti"/>
+        <a:font script="Viet" typeface="Arial"/>
+        <a:font script="Uigh" typeface="Microsoft Uighur"/>
+        <a:font script="Geor" typeface="Sylfaen"/>
+      </a:minorFont>
+    </a:fontScheme>
+    <a:fmtScheme name="Office">
+      <a:fillStyleLst>
+        <a:solidFill>
+          <a:schemeClr val="phClr"/>
+        </a:solidFill>
+        <a:gradFill rotWithShape="1">
+          <a:gsLst>
+            <a:gs pos="0">
+              <a:schemeClr val="phClr">
+                <a:tint val="50000"/>
+                <a:satMod val="300000"/>
+              </a:schemeClr>
+            </a:gs>
+            <a:gs pos="35000">
+              <a:schemeClr val="phClr">
+                <a:tint val="37000"/>
+                <a:satMod val="300000"/>
+              </a:schemeClr>
+            </a:gs>
+            <a:gs pos="100000">
+              <a:schemeClr val="phClr">
+                <a:tint val="15000"/>
+                <a:satMod val="350000"/>
+              </a:schemeClr>
+            </a:gs>
+          </a:gsLst>
+          <a:lin ang="16200000" scaled="1"/>
+        </a:gradFill>
+        <a:gradFill rotWithShape="1">
+          <a:gsLst>
+            <a:gs pos="0">
+              <a:schemeClr val="phClr">
+                <a:tint val="100000"/>
+                <a:shade val="100000"/>
+                <a:satMod val="130000"/>
+              </a:schemeClr>
+            </a:gs>
+            <a:gs pos="100000">
+              <a:schemeClr val="phClr">
+                <a:tint val="50000"/>
+                <a:shade val="100000"/>
+                <a:satMod val="350000"/>
+              </a:schemeClr>
+            </a:gs>
+          </a:gsLst>
+          <a:lin ang="16200000" scaled="0"/>
+        </a:gradFill>
+      </a:fillStyleLst>
+      <a:lnStyleLst>
+        <a:ln w="9525" cap="flat" cmpd="sng" algn="ctr">
+          <a:solidFill>
+            <a:schemeClr val="phClr">
+              <a:shade val="95000"/>
+              <a:satMod val="105000"/>
+            </a:schemeClr>
+          </a:solidFill>
+          <a:prstDash val="solid"/>
+        </a:ln>
+        <a:ln w="25400" cap="flat" cmpd="sng" algn="ctr">
+          <a:solidFill>
+            <a:schemeClr val="phClr"/>
+          </a:solidFill>
+          <a:prstDash val="solid"/>
+        </a:ln>
+        <a:ln w="38100" cap="flat" cmpd="sng" algn="ctr">
+          <a:solidFill>
+            <a:schemeClr val="phClr"/>
+          </a:solidFill>
+          <a:prstDash val="solid"/>
+        </a:ln>
+      </a:lnStyleLst>
+      <a:effectStyleLst>
+        <a:effectStyle>
+          <a:effectLst>
+            <a:outerShdw blurRad="40000" dist="20000" dir="5400000" rotWithShape="0">
+              <a:srgbClr val="000000">
+                <a:alpha val="38000"/>
+              </a:srgbClr>
+            </a:outerShdw>
+          </a:effectLst>
+        </a:effectStyle>
+        <a:effectStyle>
+          <a:effectLst>
+            <a:outerShdw blurRad="40000" dist="23000" dir="5400000" rotWithShape="0">
+              <a:srgbClr val="000000">
+                <a:alpha val="35000"/>
+              </a:srgbClr>
+            </a:outerShdw>
+          </a:effectLst>
+        </a:effectStyle>
+        <a:effectStyle>
+          <a:effectLst>
+            <a:outerShdw blurRad="40000" dist="23000" dir="5400000" rotWithShape="0">
+              <a:srgbClr val="000000">
+                <a:alpha val="35000"/>
+              </a:srgbClr>
+            </a:outerShdw>
+          </a:effectLst>
+          <a:scene3d>
+            <a:camera prst="orthographicFront">
+              <a:rot lat="0" lon="0" rev="0"/>
+            </a:camera>
+            <a:lightRig rig="threePt" dir="t">
+              <a:rot lat="0" lon="0" rev="1200000"/>
+            </a:lightRig>
+          </a:scene3d>
+          <a:sp3d>
+            <a:bevelT w="63500" h="25400"/>
+          </a:sp3d>
+        </a:effectStyle>
+      </a:effectStyleLst>
+      <a:bgFillStyleLst>
+        <a:solidFill>
+          <a:schemeClr val="phClr"/>
+        </a:solidFill>
+        <a:gradFill rotWithShape="1">
+          <a:gsLst>
+            <a:gs pos="0">
+              <a:schemeClr val="phClr">
+                <a:tint val="40000"/>
+                <a:satMod val="350000"/>
+              </a:schemeClr>
+            </a:gs>
+            <a:gs pos="40000">
+              <a:schemeClr val="phClr">
+                <a:tint val="45000"/>
+                <a:shade val="99000"/>
+                <a:satMod val="350000"/>
+              </a:schemeClr>
+            </a:gs>
+            <a:gs pos="100000">
+              <a:schemeClr val="phClr">
+                <a:shade val="20000"/>
+                <a:satMod val="255000"/>
+              </a:schemeClr>
+            </a:gs>
+          </a:gsLst>
+          <a:path path="circle">
+            <a:fillToRect l="50000" t="-80000" r="50000" b="180000"/>
+          </a:path>
+        </a:gradFill>
+        <a:gradFill rotWithShape="1">
+          <a:gsLst>
+            <a:gs pos="0">
+              <a:schemeClr val="phClr">
+                <a:tint val="80000"/>
+                <a:satMod val="300000"/>
+              </a:schemeClr>
+            </a:gs>
+            <a:gs pos="100000">
+              <a:schemeClr val="phClr">
+                <a:shade val="30000"/>
+                <a:satMod val="200000"/>
+              </a:schemeClr>
+            </a:gs>
+          </a:gsLst>
+          <a:path path="circle">
+            <a:fillToRect l="50000" t="50000" r="50000" b="50000"/>
+          </a:path>
+        </a:gradFill>
+      </a:bgFillStyleLst>
+    </a:fmtScheme>
+  </a:themeElements>
+</a:theme>
+</file>
+
+<file path=ppt/theme/theme2.xml><?xml version="1.0" encoding="utf-8"?>
 <a:theme xmlns:a="http://schemas.openxmlformats.org/drawingml/2006/main" xmlns:r="http://schemas.openxmlformats.org/officeDocument/2006/relationships">
   <a:themeElements>
     <a:clrScheme name="Default">
@@ -15736,283 +16177,4 @@
     </a:fmtScheme>
   </a:themeElements>
 </a:theme>
-</file>
-
-<file path=ppt/theme/theme2.xml><?xml version="1.0" encoding="utf-8"?>
-<a:theme xmlns:a="http://schemas.openxmlformats.org/drawingml/2006/main" xmlns:r="http://schemas.openxmlformats.org/officeDocument/2006/relationships" name="Geometric">
-  <a:themeElements>
-    <a:clrScheme name="Geometric">
-      <a:dk1>
-        <a:srgbClr val="2A3990"/>
-      </a:dk1>
-      <a:lt1>
-        <a:srgbClr val="FFFFFF"/>
-      </a:lt1>
-      <a:dk2>
-        <a:srgbClr val="434343"/>
-      </a:dk2>
-      <a:lt2>
-        <a:srgbClr val="999999"/>
-      </a:lt2>
-      <a:accent1>
-        <a:srgbClr val="212D74"/>
-      </a:accent1>
-      <a:accent2>
-        <a:srgbClr val="3949AB"/>
-      </a:accent2>
-      <a:accent3>
-        <a:srgbClr val="9C254D"/>
-      </a:accent3>
-      <a:accent4>
-        <a:srgbClr val="D23369"/>
-      </a:accent4>
-      <a:accent5>
-        <a:srgbClr val="F06292"/>
-      </a:accent5>
-      <a:accent6>
-        <a:srgbClr val="7890CD"/>
-      </a:accent6>
-      <a:hlink>
-        <a:srgbClr val="F06292"/>
-      </a:hlink>
-      <a:folHlink>
-        <a:srgbClr val="F06292"/>
-      </a:folHlink>
-    </a:clrScheme>
-    <a:fontScheme name="Office">
-      <a:majorFont>
-        <a:latin typeface="Arial"/>
-        <a:ea typeface=""/>
-        <a:cs typeface=""/>
-        <a:font script="Jpan" typeface="ＭＳ Ｐゴシック"/>
-        <a:font script="Hang" typeface="맑은 고딕"/>
-        <a:font script="Hans" typeface="宋体"/>
-        <a:font script="Hant" typeface="新細明體"/>
-        <a:font script="Arab" typeface="Times New Roman"/>
-        <a:font script="Hebr" typeface="Times New Roman"/>
-        <a:font script="Thai" typeface="Angsana New"/>
-        <a:font script="Ethi" typeface="Nyala"/>
-        <a:font script="Beng" typeface="Vrinda"/>
-        <a:font script="Gujr" typeface="Shruti"/>
-        <a:font script="Khmr" typeface="MoolBoran"/>
-        <a:font script="Knda" typeface="Tunga"/>
-        <a:font script="Guru" typeface="Raavi"/>
-        <a:font script="Cans" typeface="Euphemia"/>
-        <a:font script="Cher" typeface="Plantagenet Cherokee"/>
-        <a:font script="Yiii" typeface="Microsoft Yi Baiti"/>
-        <a:font script="Tibt" typeface="Microsoft Himalaya"/>
-        <a:font script="Thaa" typeface="MV Boli"/>
-        <a:font script="Deva" typeface="Mangal"/>
-        <a:font script="Telu" typeface="Gautami"/>
-        <a:font script="Taml" typeface="Latha"/>
-        <a:font script="Syrc" typeface="Estrangelo Edessa"/>
-        <a:font script="Orya" typeface="Kalinga"/>
-        <a:font script="Mlym" typeface="Kartika"/>
-        <a:font script="Laoo" typeface="DokChampa"/>
-        <a:font script="Sinh" typeface="Iskoola Pota"/>
-        <a:font script="Mong" typeface="Mongolian Baiti"/>
-        <a:font script="Viet" typeface="Times New Roman"/>
-        <a:font script="Uigh" typeface="Microsoft Uighur"/>
-        <a:font script="Geor" typeface="Sylfaen"/>
-      </a:majorFont>
-      <a:minorFont>
-        <a:latin typeface="Arial"/>
-        <a:ea typeface=""/>
-        <a:cs typeface=""/>
-        <a:font script="Jpan" typeface="ＭＳ Ｐゴシック"/>
-        <a:font script="Hang" typeface="맑은 고딕"/>
-        <a:font script="Hans" typeface="宋体"/>
-        <a:font script="Hant" typeface="新細明體"/>
-        <a:font script="Arab" typeface="Arial"/>
-        <a:font script="Hebr" typeface="Arial"/>
-        <a:font script="Thai" typeface="Cordia New"/>
-        <a:font script="Ethi" typeface="Nyala"/>
-        <a:font script="Beng" typeface="Vrinda"/>
-        <a:font script="Gujr" typeface="Shruti"/>
-        <a:font script="Khmr" typeface="DaunPenh"/>
-        <a:font script="Knda" typeface="Tunga"/>
-        <a:font script="Guru" typeface="Raavi"/>
-        <a:font script="Cans" typeface="Euphemia"/>
-        <a:font script="Cher" typeface="Plantagenet Cherokee"/>
-        <a:font script="Yiii" typeface="Microsoft Yi Baiti"/>
-        <a:font script="Tibt" typeface="Microsoft Himalaya"/>
-        <a:font script="Thaa" typeface="MV Boli"/>
-        <a:font script="Deva" typeface="Mangal"/>
-        <a:font script="Telu" typeface="Gautami"/>
-        <a:font script="Taml" typeface="Latha"/>
-        <a:font script="Syrc" typeface="Estrangelo Edessa"/>
-        <a:font script="Orya" typeface="Kalinga"/>
-        <a:font script="Mlym" typeface="Kartika"/>
-        <a:font script="Laoo" typeface="DokChampa"/>
-        <a:font script="Sinh" typeface="Iskoola Pota"/>
-        <a:font script="Mong" typeface="Mongolian Baiti"/>
-        <a:font script="Viet" typeface="Arial"/>
-        <a:font script="Uigh" typeface="Microsoft Uighur"/>
-        <a:font script="Geor" typeface="Sylfaen"/>
-      </a:minorFont>
-    </a:fontScheme>
-    <a:fmtScheme name="Office">
-      <a:fillStyleLst>
-        <a:solidFill>
-          <a:schemeClr val="phClr"/>
-        </a:solidFill>
-        <a:gradFill rotWithShape="1">
-          <a:gsLst>
-            <a:gs pos="0">
-              <a:schemeClr val="phClr">
-                <a:tint val="50000"/>
-                <a:satMod val="300000"/>
-              </a:schemeClr>
-            </a:gs>
-            <a:gs pos="35000">
-              <a:schemeClr val="phClr">
-                <a:tint val="37000"/>
-                <a:satMod val="300000"/>
-              </a:schemeClr>
-            </a:gs>
-            <a:gs pos="100000">
-              <a:schemeClr val="phClr">
-                <a:tint val="15000"/>
-                <a:satMod val="350000"/>
-              </a:schemeClr>
-            </a:gs>
-          </a:gsLst>
-          <a:lin ang="16200000" scaled="1"/>
-        </a:gradFill>
-        <a:gradFill rotWithShape="1">
-          <a:gsLst>
-            <a:gs pos="0">
-              <a:schemeClr val="phClr">
-                <a:tint val="100000"/>
-                <a:shade val="100000"/>
-                <a:satMod val="130000"/>
-              </a:schemeClr>
-            </a:gs>
-            <a:gs pos="100000">
-              <a:schemeClr val="phClr">
-                <a:tint val="50000"/>
-                <a:shade val="100000"/>
-                <a:satMod val="350000"/>
-              </a:schemeClr>
-            </a:gs>
-          </a:gsLst>
-          <a:lin ang="16200000" scaled="0"/>
-        </a:gradFill>
-      </a:fillStyleLst>
-      <a:lnStyleLst>
-        <a:ln w="9525" cap="flat" cmpd="sng" algn="ctr">
-          <a:solidFill>
-            <a:schemeClr val="phClr">
-              <a:shade val="95000"/>
-              <a:satMod val="105000"/>
-            </a:schemeClr>
-          </a:solidFill>
-          <a:prstDash val="solid"/>
-        </a:ln>
-        <a:ln w="25400" cap="flat" cmpd="sng" algn="ctr">
-          <a:solidFill>
-            <a:schemeClr val="phClr"/>
-          </a:solidFill>
-          <a:prstDash val="solid"/>
-        </a:ln>
-        <a:ln w="38100" cap="flat" cmpd="sng" algn="ctr">
-          <a:solidFill>
-            <a:schemeClr val="phClr"/>
-          </a:solidFill>
-          <a:prstDash val="solid"/>
-        </a:ln>
-      </a:lnStyleLst>
-      <a:effectStyleLst>
-        <a:effectStyle>
-          <a:effectLst>
-            <a:outerShdw blurRad="40000" dist="20000" dir="5400000" rotWithShape="0">
-              <a:srgbClr val="000000">
-                <a:alpha val="38000"/>
-              </a:srgbClr>
-            </a:outerShdw>
-          </a:effectLst>
-        </a:effectStyle>
-        <a:effectStyle>
-          <a:effectLst>
-            <a:outerShdw blurRad="40000" dist="23000" dir="5400000" rotWithShape="0">
-              <a:srgbClr val="000000">
-                <a:alpha val="35000"/>
-              </a:srgbClr>
-            </a:outerShdw>
-          </a:effectLst>
-        </a:effectStyle>
-        <a:effectStyle>
-          <a:effectLst>
-            <a:outerShdw blurRad="40000" dist="23000" dir="5400000" rotWithShape="0">
-              <a:srgbClr val="000000">
-                <a:alpha val="35000"/>
-              </a:srgbClr>
-            </a:outerShdw>
-          </a:effectLst>
-          <a:scene3d>
-            <a:camera prst="orthographicFront">
-              <a:rot lat="0" lon="0" rev="0"/>
-            </a:camera>
-            <a:lightRig rig="threePt" dir="t">
-              <a:rot lat="0" lon="0" rev="1200000"/>
-            </a:lightRig>
-          </a:scene3d>
-          <a:sp3d>
-            <a:bevelT w="63500" h="25400"/>
-          </a:sp3d>
-        </a:effectStyle>
-      </a:effectStyleLst>
-      <a:bgFillStyleLst>
-        <a:solidFill>
-          <a:schemeClr val="phClr"/>
-        </a:solidFill>
-        <a:gradFill rotWithShape="1">
-          <a:gsLst>
-            <a:gs pos="0">
-              <a:schemeClr val="phClr">
-                <a:tint val="40000"/>
-                <a:satMod val="350000"/>
-              </a:schemeClr>
-            </a:gs>
-            <a:gs pos="40000">
-              <a:schemeClr val="phClr">
-                <a:tint val="45000"/>
-                <a:shade val="99000"/>
-                <a:satMod val="350000"/>
-              </a:schemeClr>
-            </a:gs>
-            <a:gs pos="100000">
-              <a:schemeClr val="phClr">
-                <a:shade val="20000"/>
-                <a:satMod val="255000"/>
-              </a:schemeClr>
-            </a:gs>
-          </a:gsLst>
-          <a:path path="circle">
-            <a:fillToRect l="50000" t="-80000" r="50000" b="180000"/>
-          </a:path>
-        </a:gradFill>
-        <a:gradFill rotWithShape="1">
-          <a:gsLst>
-            <a:gs pos="0">
-              <a:schemeClr val="phClr">
-                <a:tint val="80000"/>
-                <a:satMod val="300000"/>
-              </a:schemeClr>
-            </a:gs>
-            <a:gs pos="100000">
-              <a:schemeClr val="phClr">
-                <a:shade val="30000"/>
-                <a:satMod val="200000"/>
-              </a:schemeClr>
-            </a:gs>
-          </a:gsLst>
-          <a:path path="circle">
-            <a:fillToRect l="50000" t="50000" r="50000" b="50000"/>
-          </a:path>
-        </a:gradFill>
-      </a:bgFillStyleLst>
-    </a:fmtScheme>
-  </a:themeElements>
-</a:theme>
 </file>